--- a/docs/presentations/Conclusion.pptx
+++ b/docs/presentations/Conclusion.pptx
@@ -326,7 +326,7 @@
           <a:effectLst/>
           <a:extLst>
             <a:ext uri="{91240B29-F687-4f45-9708-019B960494DF}">
-              <a14:hiddenLine xmlns="" xmlns:a14="http://schemas.microsoft.com/office/drawing/2010/main" w="9360">
+              <a14:hiddenLine xmlns:a14="http://schemas.microsoft.com/office/drawing/2010/main" xmlns="" w="9360">
                 <a:solidFill>
                   <a:srgbClr val="000000"/>
                 </a:solidFill>
@@ -336,7 +336,7 @@
               </a14:hiddenLine>
             </a:ext>
             <a:ext uri="{AF507438-7753-43e0-B8FC-AC1667EBCBE1}">
-              <a14:hiddenEffects xmlns="" xmlns:a14="http://schemas.microsoft.com/office/drawing/2010/main">
+              <a14:hiddenEffects xmlns:a14="http://schemas.microsoft.com/office/drawing/2010/main" xmlns="">
                 <a:effectLst>
                   <a:outerShdw blurRad="63500" dist="38099" dir="2700000" algn="ctr" rotWithShape="0">
                     <a:srgbClr val="000000">
@@ -383,7 +383,7 @@
           <a:effectLst/>
           <a:extLst>
             <a:ext uri="{91240B29-F687-4f45-9708-019B960494DF}">
-              <a14:hiddenLine xmlns="" xmlns:a14="http://schemas.microsoft.com/office/drawing/2010/main" w="9525">
+              <a14:hiddenLine xmlns:a14="http://schemas.microsoft.com/office/drawing/2010/main" xmlns="" w="9525">
                 <a:solidFill>
                   <a:srgbClr val="000000"/>
                 </a:solidFill>
@@ -393,7 +393,7 @@
               </a14:hiddenLine>
             </a:ext>
             <a:ext uri="{AF507438-7753-43e0-B8FC-AC1667EBCBE1}">
-              <a14:hiddenEffects xmlns="" xmlns:a14="http://schemas.microsoft.com/office/drawing/2010/main">
+              <a14:hiddenEffects xmlns:a14="http://schemas.microsoft.com/office/drawing/2010/main" xmlns="">
                 <a:effectLst>
                   <a:outerShdw blurRad="63500" dist="38099" dir="2700000" algn="ctr" rotWithShape="0">
                     <a:srgbClr val="000000">
@@ -440,7 +440,7 @@
           <a:effectLst/>
           <a:extLst>
             <a:ext uri="{91240B29-F687-4f45-9708-019B960494DF}">
-              <a14:hiddenLine xmlns="" xmlns:a14="http://schemas.microsoft.com/office/drawing/2010/main" w="9525">
+              <a14:hiddenLine xmlns:a14="http://schemas.microsoft.com/office/drawing/2010/main" xmlns="" w="9525">
                 <a:solidFill>
                   <a:srgbClr val="000000"/>
                 </a:solidFill>
@@ -450,7 +450,7 @@
               </a14:hiddenLine>
             </a:ext>
             <a:ext uri="{AF507438-7753-43e0-B8FC-AC1667EBCBE1}">
-              <a14:hiddenEffects xmlns="" xmlns:a14="http://schemas.microsoft.com/office/drawing/2010/main">
+              <a14:hiddenEffects xmlns:a14="http://schemas.microsoft.com/office/drawing/2010/main" xmlns="">
                 <a:effectLst>
                   <a:outerShdw blurRad="63500" dist="38099" dir="2700000" algn="ctr" rotWithShape="0">
                     <a:srgbClr val="000000">
@@ -497,7 +497,7 @@
           <a:effectLst/>
           <a:extLst>
             <a:ext uri="{91240B29-F687-4f45-9708-019B960494DF}">
-              <a14:hiddenLine xmlns="" xmlns:a14="http://schemas.microsoft.com/office/drawing/2010/main" w="9525">
+              <a14:hiddenLine xmlns:a14="http://schemas.microsoft.com/office/drawing/2010/main" xmlns="" w="9525">
                 <a:solidFill>
                   <a:srgbClr val="000000"/>
                 </a:solidFill>
@@ -507,7 +507,7 @@
               </a14:hiddenLine>
             </a:ext>
             <a:ext uri="{AF507438-7753-43e0-B8FC-AC1667EBCBE1}">
-              <a14:hiddenEffects xmlns="" xmlns:a14="http://schemas.microsoft.com/office/drawing/2010/main">
+              <a14:hiddenEffects xmlns:a14="http://schemas.microsoft.com/office/drawing/2010/main" xmlns="">
                 <a:effectLst>
                   <a:outerShdw blurRad="63500" dist="38099" dir="2700000" algn="ctr" rotWithShape="0">
                     <a:srgbClr val="000000">
@@ -554,7 +554,7 @@
           <a:effectLst/>
           <a:extLst>
             <a:ext uri="{91240B29-F687-4f45-9708-019B960494DF}">
-              <a14:hiddenLine xmlns="" xmlns:a14="http://schemas.microsoft.com/office/drawing/2010/main" w="9525">
+              <a14:hiddenLine xmlns:a14="http://schemas.microsoft.com/office/drawing/2010/main" xmlns="" w="9525">
                 <a:solidFill>
                   <a:srgbClr val="000000"/>
                 </a:solidFill>
@@ -564,7 +564,7 @@
               </a14:hiddenLine>
             </a:ext>
             <a:ext uri="{AF507438-7753-43e0-B8FC-AC1667EBCBE1}">
-              <a14:hiddenEffects xmlns="" xmlns:a14="http://schemas.microsoft.com/office/drawing/2010/main">
+              <a14:hiddenEffects xmlns:a14="http://schemas.microsoft.com/office/drawing/2010/main" xmlns="">
                 <a:effectLst>
                   <a:outerShdw blurRad="63500" dist="38099" dir="2700000" algn="ctr" rotWithShape="0">
                     <a:srgbClr val="000000">
@@ -611,7 +611,7 @@
           <a:effectLst/>
           <a:extLst>
             <a:ext uri="{91240B29-F687-4f45-9708-019B960494DF}">
-              <a14:hiddenLine xmlns="" xmlns:a14="http://schemas.microsoft.com/office/drawing/2010/main" w="9525">
+              <a14:hiddenLine xmlns:a14="http://schemas.microsoft.com/office/drawing/2010/main" xmlns="" w="9525">
                 <a:solidFill>
                   <a:srgbClr val="000000"/>
                 </a:solidFill>
@@ -621,7 +621,7 @@
               </a14:hiddenLine>
             </a:ext>
             <a:ext uri="{AF507438-7753-43e0-B8FC-AC1667EBCBE1}">
-              <a14:hiddenEffects xmlns="" xmlns:a14="http://schemas.microsoft.com/office/drawing/2010/main">
+              <a14:hiddenEffects xmlns:a14="http://schemas.microsoft.com/office/drawing/2010/main" xmlns="">
                 <a:effectLst>
                   <a:outerShdw blurRad="63500" dist="38099" dir="2700000" algn="ctr" rotWithShape="0">
                     <a:srgbClr val="000000">
@@ -668,7 +668,7 @@
           <a:effectLst/>
           <a:extLst>
             <a:ext uri="{91240B29-F687-4f45-9708-019B960494DF}">
-              <a14:hiddenLine xmlns="" xmlns:a14="http://schemas.microsoft.com/office/drawing/2010/main" w="9525">
+              <a14:hiddenLine xmlns:a14="http://schemas.microsoft.com/office/drawing/2010/main" xmlns="" w="9525">
                 <a:solidFill>
                   <a:srgbClr val="000000"/>
                 </a:solidFill>
@@ -678,7 +678,7 @@
               </a14:hiddenLine>
             </a:ext>
             <a:ext uri="{AF507438-7753-43e0-B8FC-AC1667EBCBE1}">
-              <a14:hiddenEffects xmlns="" xmlns:a14="http://schemas.microsoft.com/office/drawing/2010/main">
+              <a14:hiddenEffects xmlns:a14="http://schemas.microsoft.com/office/drawing/2010/main" xmlns="">
                 <a:effectLst>
                   <a:outerShdw blurRad="63500" dist="38099" dir="2700000" algn="ctr" rotWithShape="0">
                     <a:srgbClr val="000000">
@@ -725,7 +725,7 @@
           <a:effectLst/>
           <a:extLst>
             <a:ext uri="{91240B29-F687-4f45-9708-019B960494DF}">
-              <a14:hiddenLine xmlns="" xmlns:a14="http://schemas.microsoft.com/office/drawing/2010/main" w="9525">
+              <a14:hiddenLine xmlns:a14="http://schemas.microsoft.com/office/drawing/2010/main" xmlns="" w="9525">
                 <a:solidFill>
                   <a:srgbClr val="000000"/>
                 </a:solidFill>
@@ -735,7 +735,7 @@
               </a14:hiddenLine>
             </a:ext>
             <a:ext uri="{AF507438-7753-43e0-B8FC-AC1667EBCBE1}">
-              <a14:hiddenEffects xmlns="" xmlns:a14="http://schemas.microsoft.com/office/drawing/2010/main">
+              <a14:hiddenEffects xmlns:a14="http://schemas.microsoft.com/office/drawing/2010/main" xmlns="">
                 <a:effectLst>
                   <a:outerShdw blurRad="63500" dist="38099" dir="2700000" algn="ctr" rotWithShape="0">
                     <a:srgbClr val="000000">
@@ -782,7 +782,7 @@
           <a:effectLst/>
           <a:extLst>
             <a:ext uri="{91240B29-F687-4f45-9708-019B960494DF}">
-              <a14:hiddenLine xmlns="" xmlns:a14="http://schemas.microsoft.com/office/drawing/2010/main" w="9525">
+              <a14:hiddenLine xmlns:a14="http://schemas.microsoft.com/office/drawing/2010/main" xmlns="" w="9525">
                 <a:solidFill>
                   <a:srgbClr val="000000"/>
                 </a:solidFill>
@@ -792,7 +792,7 @@
               </a14:hiddenLine>
             </a:ext>
             <a:ext uri="{AF507438-7753-43e0-B8FC-AC1667EBCBE1}">
-              <a14:hiddenEffects xmlns="" xmlns:a14="http://schemas.microsoft.com/office/drawing/2010/main">
+              <a14:hiddenEffects xmlns:a14="http://schemas.microsoft.com/office/drawing/2010/main" xmlns="">
                 <a:effectLst>
                   <a:outerShdw blurRad="63500" dist="38099" dir="2700000" algn="ctr" rotWithShape="0">
                     <a:srgbClr val="000000">
@@ -839,7 +839,7 @@
           <a:effectLst/>
           <a:extLst>
             <a:ext uri="{91240B29-F687-4f45-9708-019B960494DF}">
-              <a14:hiddenLine xmlns="" xmlns:a14="http://schemas.microsoft.com/office/drawing/2010/main" w="9525">
+              <a14:hiddenLine xmlns:a14="http://schemas.microsoft.com/office/drawing/2010/main" xmlns="" w="9525">
                 <a:solidFill>
                   <a:srgbClr val="000000"/>
                 </a:solidFill>
@@ -849,7 +849,7 @@
               </a14:hiddenLine>
             </a:ext>
             <a:ext uri="{AF507438-7753-43e0-B8FC-AC1667EBCBE1}">
-              <a14:hiddenEffects xmlns="" xmlns:a14="http://schemas.microsoft.com/office/drawing/2010/main">
+              <a14:hiddenEffects xmlns:a14="http://schemas.microsoft.com/office/drawing/2010/main" xmlns="">
                 <a:effectLst>
                   <a:outerShdw blurRad="63500" dist="38099" dir="2700000" algn="ctr" rotWithShape="0">
                     <a:srgbClr val="000000">
@@ -896,7 +896,7 @@
           <a:effectLst/>
           <a:extLst>
             <a:ext uri="{91240B29-F687-4f45-9708-019B960494DF}">
-              <a14:hiddenLine xmlns="" xmlns:a14="http://schemas.microsoft.com/office/drawing/2010/main" w="9525">
+              <a14:hiddenLine xmlns:a14="http://schemas.microsoft.com/office/drawing/2010/main" xmlns="" w="9525">
                 <a:solidFill>
                   <a:srgbClr val="000000"/>
                 </a:solidFill>
@@ -906,7 +906,7 @@
               </a14:hiddenLine>
             </a:ext>
             <a:ext uri="{AF507438-7753-43e0-B8FC-AC1667EBCBE1}">
-              <a14:hiddenEffects xmlns="" xmlns:a14="http://schemas.microsoft.com/office/drawing/2010/main">
+              <a14:hiddenEffects xmlns:a14="http://schemas.microsoft.com/office/drawing/2010/main" xmlns="">
                 <a:effectLst>
                   <a:outerShdw blurRad="63500" dist="38099" dir="2700000" algn="ctr" rotWithShape="0">
                     <a:srgbClr val="000000">
@@ -953,7 +953,7 @@
           <a:effectLst/>
           <a:extLst>
             <a:ext uri="{91240B29-F687-4f45-9708-019B960494DF}">
-              <a14:hiddenLine xmlns="" xmlns:a14="http://schemas.microsoft.com/office/drawing/2010/main" w="9525">
+              <a14:hiddenLine xmlns:a14="http://schemas.microsoft.com/office/drawing/2010/main" xmlns="" w="9525">
                 <a:solidFill>
                   <a:srgbClr val="000000"/>
                 </a:solidFill>
@@ -963,7 +963,7 @@
               </a14:hiddenLine>
             </a:ext>
             <a:ext uri="{AF507438-7753-43e0-B8FC-AC1667EBCBE1}">
-              <a14:hiddenEffects xmlns="" xmlns:a14="http://schemas.microsoft.com/office/drawing/2010/main">
+              <a14:hiddenEffects xmlns:a14="http://schemas.microsoft.com/office/drawing/2010/main" xmlns="">
                 <a:effectLst>
                   <a:outerShdw blurRad="63500" dist="38099" dir="2700000" algn="ctr" rotWithShape="0">
                     <a:srgbClr val="000000">
@@ -1010,7 +1010,7 @@
           <a:effectLst/>
           <a:extLst>
             <a:ext uri="{91240B29-F687-4f45-9708-019B960494DF}">
-              <a14:hiddenLine xmlns="" xmlns:a14="http://schemas.microsoft.com/office/drawing/2010/main" w="9525">
+              <a14:hiddenLine xmlns:a14="http://schemas.microsoft.com/office/drawing/2010/main" xmlns="" w="9525">
                 <a:solidFill>
                   <a:srgbClr val="000000"/>
                 </a:solidFill>
@@ -1020,7 +1020,7 @@
               </a14:hiddenLine>
             </a:ext>
             <a:ext uri="{AF507438-7753-43e0-B8FC-AC1667EBCBE1}">
-              <a14:hiddenEffects xmlns="" xmlns:a14="http://schemas.microsoft.com/office/drawing/2010/main">
+              <a14:hiddenEffects xmlns:a14="http://schemas.microsoft.com/office/drawing/2010/main" xmlns="">
                 <a:effectLst>
                   <a:outerShdw blurRad="63500" dist="38099" dir="2700000" algn="ctr" rotWithShape="0">
                     <a:srgbClr val="000000">
@@ -1067,7 +1067,7 @@
           <a:effectLst/>
           <a:extLst>
             <a:ext uri="{91240B29-F687-4f45-9708-019B960494DF}">
-              <a14:hiddenLine xmlns="" xmlns:a14="http://schemas.microsoft.com/office/drawing/2010/main" w="9525">
+              <a14:hiddenLine xmlns:a14="http://schemas.microsoft.com/office/drawing/2010/main" xmlns="" w="9525">
                 <a:solidFill>
                   <a:srgbClr val="000000"/>
                 </a:solidFill>
@@ -1077,7 +1077,7 @@
               </a14:hiddenLine>
             </a:ext>
             <a:ext uri="{AF507438-7753-43e0-B8FC-AC1667EBCBE1}">
-              <a14:hiddenEffects xmlns="" xmlns:a14="http://schemas.microsoft.com/office/drawing/2010/main">
+              <a14:hiddenEffects xmlns:a14="http://schemas.microsoft.com/office/drawing/2010/main" xmlns="">
                 <a:effectLst>
                   <a:outerShdw blurRad="63500" dist="38099" dir="2700000" algn="ctr" rotWithShape="0">
                     <a:srgbClr val="000000">
@@ -1122,17 +1122,17 @@
           <a:effectLst/>
           <a:extLst>
             <a:ext uri="{FAA26D3D-D897-4be2-8F04-BA451C77F1D7}">
-              <ma14:placeholderFlag xmlns:ma14="http://schemas.microsoft.com/office/mac/drawingml/2011/main" xmlns="" val="1"/>
+              <ma14:placeholderFlag xmlns="" xmlns:ma14="http://schemas.microsoft.com/office/mac/drawingml/2011/main" val="1"/>
             </a:ext>
             <a:ext uri="{909E8E84-426E-40dd-AFC4-6F175D3DCCD1}">
-              <a14:hiddenFill xmlns="" xmlns:a14="http://schemas.microsoft.com/office/drawing/2010/main">
+              <a14:hiddenFill xmlns:a14="http://schemas.microsoft.com/office/drawing/2010/main" xmlns="">
                 <a:solidFill>
                   <a:srgbClr val="FFFFFF"/>
                 </a:solidFill>
               </a14:hiddenFill>
             </a:ext>
             <a:ext uri="{91240B29-F687-4f45-9708-019B960494DF}">
-              <a14:hiddenLine xmlns="" xmlns:a14="http://schemas.microsoft.com/office/drawing/2010/main" w="9525">
+              <a14:hiddenLine xmlns:a14="http://schemas.microsoft.com/office/drawing/2010/main" xmlns="" w="9525">
                 <a:solidFill>
                   <a:srgbClr val="000000"/>
                 </a:solidFill>
@@ -1142,7 +1142,7 @@
               </a14:hiddenLine>
             </a:ext>
             <a:ext uri="{AF507438-7753-43e0-B8FC-AC1667EBCBE1}">
-              <a14:hiddenEffects xmlns="" xmlns:a14="http://schemas.microsoft.com/office/drawing/2010/main">
+              <a14:hiddenEffects xmlns:a14="http://schemas.microsoft.com/office/drawing/2010/main" xmlns="">
                 <a:effectLst>
                   <a:outerShdw blurRad="63500" dist="38099" dir="2700000" algn="ctr" rotWithShape="0">
                     <a:schemeClr val="bg2">
@@ -1180,17 +1180,17 @@
           <a:effectLst/>
           <a:extLst>
             <a:ext uri="{FAA26D3D-D897-4be2-8F04-BA451C77F1D7}">
-              <ma14:placeholderFlag xmlns:ma14="http://schemas.microsoft.com/office/mac/drawingml/2011/main" xmlns="" val="1"/>
+              <ma14:placeholderFlag xmlns="" xmlns:ma14="http://schemas.microsoft.com/office/mac/drawingml/2011/main" val="1"/>
             </a:ext>
             <a:ext uri="{909E8E84-426E-40dd-AFC4-6F175D3DCCD1}">
-              <a14:hiddenFill xmlns="" xmlns:a14="http://schemas.microsoft.com/office/drawing/2010/main">
+              <a14:hiddenFill xmlns:a14="http://schemas.microsoft.com/office/drawing/2010/main" xmlns="">
                 <a:solidFill>
                   <a:srgbClr val="FFFFFF"/>
                 </a:solidFill>
               </a14:hiddenFill>
             </a:ext>
             <a:ext uri="{91240B29-F687-4f45-9708-019B960494DF}">
-              <a14:hiddenLine xmlns="" xmlns:a14="http://schemas.microsoft.com/office/drawing/2010/main" w="9525">
+              <a14:hiddenLine xmlns:a14="http://schemas.microsoft.com/office/drawing/2010/main" xmlns="" w="9525">
                 <a:solidFill>
                   <a:srgbClr val="000000"/>
                 </a:solidFill>
@@ -1200,7 +1200,7 @@
               </a14:hiddenLine>
             </a:ext>
             <a:ext uri="{AF507438-7753-43e0-B8FC-AC1667EBCBE1}">
-              <a14:hiddenEffects xmlns="" xmlns:a14="http://schemas.microsoft.com/office/drawing/2010/main">
+              <a14:hiddenEffects xmlns:a14="http://schemas.microsoft.com/office/drawing/2010/main" xmlns="">
                 <a:effectLst>
                   <a:outerShdw blurRad="63500" dist="38099" dir="2700000" algn="ctr" rotWithShape="0">
                     <a:schemeClr val="bg2">
@@ -1250,17 +1250,17 @@
           <a:effectLst/>
           <a:extLst>
             <a:ext uri="{FAA26D3D-D897-4be2-8F04-BA451C77F1D7}">
-              <ma14:placeholderFlag xmlns:ma14="http://schemas.microsoft.com/office/mac/drawingml/2011/main" xmlns="" val="1"/>
+              <ma14:placeholderFlag xmlns="" xmlns:ma14="http://schemas.microsoft.com/office/mac/drawingml/2011/main" val="1"/>
             </a:ext>
             <a:ext uri="{909E8E84-426E-40dd-AFC4-6F175D3DCCD1}">
-              <a14:hiddenFill xmlns="" xmlns:a14="http://schemas.microsoft.com/office/drawing/2010/main">
+              <a14:hiddenFill xmlns:a14="http://schemas.microsoft.com/office/drawing/2010/main" xmlns="">
                 <a:solidFill>
                   <a:srgbClr val="FFFFFF"/>
                 </a:solidFill>
               </a14:hiddenFill>
             </a:ext>
             <a:ext uri="{91240B29-F687-4f45-9708-019B960494DF}">
-              <a14:hiddenLine xmlns="" xmlns:a14="http://schemas.microsoft.com/office/drawing/2010/main" w="9525">
+              <a14:hiddenLine xmlns:a14="http://schemas.microsoft.com/office/drawing/2010/main" xmlns="" w="9525">
                 <a:solidFill>
                   <a:srgbClr val="000000"/>
                 </a:solidFill>
@@ -1270,7 +1270,7 @@
               </a14:hiddenLine>
             </a:ext>
             <a:ext uri="{AF507438-7753-43e0-B8FC-AC1667EBCBE1}">
-              <a14:hiddenEffects xmlns="" xmlns:a14="http://schemas.microsoft.com/office/drawing/2010/main">
+              <a14:hiddenEffects xmlns:a14="http://schemas.microsoft.com/office/drawing/2010/main" xmlns="">
                 <a:effectLst>
                   <a:outerShdw blurRad="63500" dist="38099" dir="2700000" algn="ctr" rotWithShape="0">
                     <a:schemeClr val="bg2">
@@ -1354,17 +1354,17 @@
           <a:effectLst/>
           <a:extLst>
             <a:ext uri="{FAA26D3D-D897-4be2-8F04-BA451C77F1D7}">
-              <ma14:placeholderFlag xmlns:ma14="http://schemas.microsoft.com/office/mac/drawingml/2011/main" xmlns="" val="1"/>
+              <ma14:placeholderFlag xmlns="" xmlns:ma14="http://schemas.microsoft.com/office/mac/drawingml/2011/main" val="1"/>
             </a:ext>
             <a:ext uri="{909E8E84-426E-40dd-AFC4-6F175D3DCCD1}">
-              <a14:hiddenFill xmlns="" xmlns:a14="http://schemas.microsoft.com/office/drawing/2010/main">
+              <a14:hiddenFill xmlns:a14="http://schemas.microsoft.com/office/drawing/2010/main" xmlns="">
                 <a:solidFill>
                   <a:srgbClr val="FFFFFF"/>
                 </a:solidFill>
               </a14:hiddenFill>
             </a:ext>
             <a:ext uri="{91240B29-F687-4f45-9708-019B960494DF}">
-              <a14:hiddenLine xmlns="" xmlns:a14="http://schemas.microsoft.com/office/drawing/2010/main" w="9525">
+              <a14:hiddenLine xmlns:a14="http://schemas.microsoft.com/office/drawing/2010/main" xmlns="" w="9525">
                 <a:solidFill>
                   <a:srgbClr val="000000"/>
                 </a:solidFill>
@@ -1374,7 +1374,7 @@
               </a14:hiddenLine>
             </a:ext>
             <a:ext uri="{AF507438-7753-43e0-B8FC-AC1667EBCBE1}">
-              <a14:hiddenEffects xmlns="" xmlns:a14="http://schemas.microsoft.com/office/drawing/2010/main">
+              <a14:hiddenEffects xmlns:a14="http://schemas.microsoft.com/office/drawing/2010/main" xmlns="">
                 <a:effectLst>
                   <a:outerShdw blurRad="63500" dist="38099" dir="2700000" algn="ctr" rotWithShape="0">
                     <a:schemeClr val="bg2">
@@ -1458,17 +1458,17 @@
           <a:effectLst/>
           <a:extLst>
             <a:ext uri="{FAA26D3D-D897-4be2-8F04-BA451C77F1D7}">
-              <ma14:placeholderFlag xmlns:ma14="http://schemas.microsoft.com/office/mac/drawingml/2011/main" xmlns="" val="1"/>
+              <ma14:placeholderFlag xmlns="" xmlns:ma14="http://schemas.microsoft.com/office/mac/drawingml/2011/main" val="1"/>
             </a:ext>
             <a:ext uri="{909E8E84-426E-40dd-AFC4-6F175D3DCCD1}">
-              <a14:hiddenFill xmlns="" xmlns:a14="http://schemas.microsoft.com/office/drawing/2010/main">
+              <a14:hiddenFill xmlns:a14="http://schemas.microsoft.com/office/drawing/2010/main" xmlns="">
                 <a:solidFill>
                   <a:srgbClr val="FFFFFF"/>
                 </a:solidFill>
               </a14:hiddenFill>
             </a:ext>
             <a:ext uri="{91240B29-F687-4f45-9708-019B960494DF}">
-              <a14:hiddenLine xmlns="" xmlns:a14="http://schemas.microsoft.com/office/drawing/2010/main" w="9525">
+              <a14:hiddenLine xmlns:a14="http://schemas.microsoft.com/office/drawing/2010/main" xmlns="" w="9525">
                 <a:solidFill>
                   <a:srgbClr val="000000"/>
                 </a:solidFill>
@@ -1478,7 +1478,7 @@
               </a14:hiddenLine>
             </a:ext>
             <a:ext uri="{AF507438-7753-43e0-B8FC-AC1667EBCBE1}">
-              <a14:hiddenEffects xmlns="" xmlns:a14="http://schemas.microsoft.com/office/drawing/2010/main">
+              <a14:hiddenEffects xmlns:a14="http://schemas.microsoft.com/office/drawing/2010/main" xmlns="">
                 <a:effectLst>
                   <a:outerShdw blurRad="63500" dist="38099" dir="2700000" algn="ctr" rotWithShape="0">
                     <a:schemeClr val="bg2">
@@ -1562,17 +1562,17 @@
           <a:effectLst/>
           <a:extLst>
             <a:ext uri="{FAA26D3D-D897-4be2-8F04-BA451C77F1D7}">
-              <ma14:placeholderFlag xmlns:ma14="http://schemas.microsoft.com/office/mac/drawingml/2011/main" xmlns="" val="1"/>
+              <ma14:placeholderFlag xmlns="" xmlns:ma14="http://schemas.microsoft.com/office/mac/drawingml/2011/main" val="1"/>
             </a:ext>
             <a:ext uri="{909E8E84-426E-40dd-AFC4-6F175D3DCCD1}">
-              <a14:hiddenFill xmlns="" xmlns:a14="http://schemas.microsoft.com/office/drawing/2010/main">
+              <a14:hiddenFill xmlns:a14="http://schemas.microsoft.com/office/drawing/2010/main" xmlns="">
                 <a:solidFill>
                   <a:srgbClr val="FFFFFF"/>
                 </a:solidFill>
               </a14:hiddenFill>
             </a:ext>
             <a:ext uri="{91240B29-F687-4f45-9708-019B960494DF}">
-              <a14:hiddenLine xmlns="" xmlns:a14="http://schemas.microsoft.com/office/drawing/2010/main" w="9525">
+              <a14:hiddenLine xmlns:a14="http://schemas.microsoft.com/office/drawing/2010/main" xmlns="" w="9525">
                 <a:solidFill>
                   <a:srgbClr val="000000"/>
                 </a:solidFill>
@@ -1582,7 +1582,7 @@
               </a14:hiddenLine>
             </a:ext>
             <a:ext uri="{AF507438-7753-43e0-B8FC-AC1667EBCBE1}">
-              <a14:hiddenEffects xmlns="" xmlns:a14="http://schemas.microsoft.com/office/drawing/2010/main">
+              <a14:hiddenEffects xmlns:a14="http://schemas.microsoft.com/office/drawing/2010/main" xmlns="">
                 <a:effectLst>
                   <a:outerShdw blurRad="63500" dist="38099" dir="2700000" algn="ctr" rotWithShape="0">
                     <a:schemeClr val="bg2">
@@ -1885,7 +1885,7 @@
           <a:effectLst/>
           <a:extLst>
             <a:ext uri="{AF507438-7753-43e0-B8FC-AC1667EBCBE1}">
-              <a14:hiddenEffects xmlns="" xmlns:a14="http://schemas.microsoft.com/office/drawing/2010/main">
+              <a14:hiddenEffects xmlns:a14="http://schemas.microsoft.com/office/drawing/2010/main" xmlns="">
                 <a:effectLst>
                   <a:outerShdw blurRad="63500" dist="38099" dir="2700000" algn="ctr" rotWithShape="0">
                     <a:srgbClr val="000000">
@@ -1927,14 +1927,14 @@
           <a:ln/>
           <a:extLst>
             <a:ext uri="{909E8E84-426E-40dd-AFC4-6F175D3DCCD1}">
-              <a14:hiddenFill xmlns="" xmlns:a14="http://schemas.microsoft.com/office/drawing/2010/main">
+              <a14:hiddenFill xmlns:a14="http://schemas.microsoft.com/office/drawing/2010/main" xmlns="">
                 <a:solidFill>
                   <a:srgbClr val="FFFFFF"/>
                 </a:solidFill>
               </a14:hiddenFill>
             </a:ext>
             <a:ext uri="{91240B29-F687-4f45-9708-019B960494DF}">
-              <a14:hiddenLine xmlns="" xmlns:a14="http://schemas.microsoft.com/office/drawing/2010/main" w="9525">
+              <a14:hiddenLine xmlns:a14="http://schemas.microsoft.com/office/drawing/2010/main" xmlns="" w="9525">
                 <a:solidFill>
                   <a:srgbClr val="000000"/>
                 </a:solidFill>
@@ -1944,7 +1944,7 @@
               </a14:hiddenLine>
             </a:ext>
             <a:ext uri="{AF507438-7753-43e0-B8FC-AC1667EBCBE1}">
-              <a14:hiddenEffects xmlns="" xmlns:a14="http://schemas.microsoft.com/office/drawing/2010/main">
+              <a14:hiddenEffects xmlns:a14="http://schemas.microsoft.com/office/drawing/2010/main" xmlns="">
                 <a:effectLst>
                   <a:outerShdw blurRad="63500" dist="38099" dir="2700000" algn="ctr" rotWithShape="0">
                     <a:srgbClr val="000000">
@@ -2303,7 +2303,7 @@
           <a:p>
             <a:fld id="{6BFECD78-3C8E-49F2-8FAB-59489D168ABB}" type="datetimeFigureOut">
               <a:rPr lang="en-US" smtClean="0"/>
-              <a:t>11/28/18</a:t>
+              <a:t>11/29/18</a:t>
             </a:fld>
             <a:endParaRPr lang="en-US"/>
           </a:p>
@@ -2508,7 +2508,7 @@
             <a:fld id="{96DFF08F-DC6B-4601-B491-B0F83F6DD2DA}" type="datetimeFigureOut">
               <a:rPr lang="en-US" smtClean="0"/>
               <a:pPr/>
-              <a:t>11/28/18</a:t>
+              <a:t>11/29/18</a:t>
             </a:fld>
             <a:endParaRPr lang="en-US" dirty="0"/>
           </a:p>
@@ -2762,7 +2762,7 @@
             <a:fld id="{96DFF08F-DC6B-4601-B491-B0F83F6DD2DA}" type="datetimeFigureOut">
               <a:rPr lang="en-US" smtClean="0"/>
               <a:pPr/>
-              <a:t>11/28/18</a:t>
+              <a:t>11/29/18</a:t>
             </a:fld>
             <a:endParaRPr lang="en-US" dirty="0"/>
           </a:p>
@@ -3207,7 +3207,7 @@
           <a:p>
             <a:fld id="{6BFECD78-3C8E-49F2-8FAB-59489D168ABB}" type="datetimeFigureOut">
               <a:rPr lang="en-US" smtClean="0"/>
-              <a:t>11/28/18</a:t>
+              <a:t>11/29/18</a:t>
             </a:fld>
             <a:endParaRPr lang="en-US"/>
           </a:p>
@@ -3546,7 +3546,7 @@
           <a:p>
             <a:fld id="{6BFECD78-3C8E-49F2-8FAB-59489D168ABB}" type="datetimeFigureOut">
               <a:rPr lang="en-US" smtClean="0"/>
-              <a:t>11/28/18</a:t>
+              <a:t>11/29/18</a:t>
             </a:fld>
             <a:endParaRPr lang="en-US"/>
           </a:p>
@@ -3817,7 +3817,7 @@
           <a:p>
             <a:fld id="{6BFECD78-3C8E-49F2-8FAB-59489D168ABB}" type="datetimeFigureOut">
               <a:rPr lang="en-US" smtClean="0"/>
-              <a:t>11/28/18</a:t>
+              <a:t>11/29/18</a:t>
             </a:fld>
             <a:endParaRPr lang="en-US"/>
           </a:p>
@@ -4192,7 +4192,7 @@
           <a:p>
             <a:fld id="{6BFECD78-3C8E-49F2-8FAB-59489D168ABB}" type="datetimeFigureOut">
               <a:rPr lang="en-US" smtClean="0"/>
-              <a:t>11/28/18</a:t>
+              <a:t>11/29/18</a:t>
             </a:fld>
             <a:endParaRPr lang="en-US"/>
           </a:p>
@@ -4306,7 +4306,7 @@
           <a:p>
             <a:fld id="{6BFECD78-3C8E-49F2-8FAB-59489D168ABB}" type="datetimeFigureOut">
               <a:rPr lang="en-US" smtClean="0"/>
-              <a:t>11/28/18</a:t>
+              <a:t>11/29/18</a:t>
             </a:fld>
             <a:endParaRPr lang="en-US"/>
           </a:p>
@@ -4473,7 +4473,7 @@
           <a:p>
             <a:fld id="{6BFECD78-3C8E-49F2-8FAB-59489D168ABB}" type="datetimeFigureOut">
               <a:rPr lang="en-US" smtClean="0"/>
-              <a:t>11/28/18</a:t>
+              <a:t>11/29/18</a:t>
             </a:fld>
             <a:endParaRPr lang="en-US"/>
           </a:p>
@@ -4823,7 +4823,7 @@
           <a:p>
             <a:fld id="{6BFECD78-3C8E-49F2-8FAB-59489D168ABB}" type="datetimeFigureOut">
               <a:rPr lang="en-US" smtClean="0"/>
-              <a:t>11/28/18</a:t>
+              <a:t>11/29/18</a:t>
             </a:fld>
             <a:endParaRPr lang="en-US"/>
           </a:p>
@@ -5196,7 +5196,7 @@
           <a:p>
             <a:fld id="{6BFECD78-3C8E-49F2-8FAB-59489D168ABB}" type="datetimeFigureOut">
               <a:rPr lang="en-US" smtClean="0"/>
-              <a:t>11/28/18</a:t>
+              <a:t>11/29/18</a:t>
             </a:fld>
             <a:endParaRPr lang="en-US"/>
           </a:p>
@@ -5480,7 +5480,7 @@
             <a:fld id="{96DFF08F-DC6B-4601-B491-B0F83F6DD2DA}" type="datetimeFigureOut">
               <a:rPr lang="en-US" smtClean="0"/>
               <a:pPr/>
-              <a:t>11/28/18</a:t>
+              <a:t>11/29/18</a:t>
             </a:fld>
             <a:endParaRPr lang="en-US" dirty="0"/>
           </a:p>
@@ -6172,7 +6172,19 @@
             <a:pPr marL="0" indent="0">
               <a:buNone/>
             </a:pPr>
-            <a:endParaRPr lang="en-US" dirty="0"/>
+            <a:r>
+              <a:rPr lang="en-US" dirty="0"/>
+              <a:t>Many people not yet signed up – Thursday is full</a:t>
+            </a:r>
+          </a:p>
+          <a:p>
+            <a:pPr marL="0" indent="0">
+              <a:buNone/>
+            </a:pPr>
+            <a:r>
+              <a:rPr lang="en-US" dirty="0"/>
+              <a:t> </a:t>
+            </a:r>
           </a:p>
         </p:txBody>
       </p:sp>
@@ -8282,7 +8294,7 @@
                 <a:cs typeface="Courier New"/>
                 <a:sym typeface="Courier New"/>
               </a:rPr>
-              <a:t>File.download</a:t>
+              <a:t>file.download</a:t>
             </a:r>
             <a:endParaRPr lang="en" dirty="0">
               <a:solidFill>
@@ -8372,76 +8384,6 @@
               <a:buNone/>
             </a:pPr>
             <a:r>
-              <a:rPr lang="en-US" dirty="0">
-                <a:solidFill>
-                  <a:schemeClr val="tx1"/>
-                </a:solidFill>
-                <a:latin typeface="Courier New"/>
-                <a:ea typeface="Courier New"/>
-                <a:cs typeface="Courier New"/>
-                <a:sym typeface="Courier New"/>
-              </a:rPr>
-              <a:t>GDAL</a:t>
-            </a:r>
-            <a:endParaRPr lang="en" dirty="0">
-              <a:solidFill>
-                <a:schemeClr val="tx1"/>
-              </a:solidFill>
-              <a:latin typeface="Courier New"/>
-              <a:ea typeface="Courier New"/>
-              <a:cs typeface="Courier New"/>
-              <a:sym typeface="Courier New"/>
-            </a:endParaRPr>
-          </a:p>
-          <a:p>
-            <a:pPr lvl="0" rtl="0">
-              <a:lnSpc>
-                <a:spcPct val="100000"/>
-              </a:lnSpc>
-              <a:buNone/>
-            </a:pPr>
-            <a:r>
-              <a:rPr lang="en" dirty="0">
-                <a:solidFill>
-                  <a:schemeClr val="tx1"/>
-                </a:solidFill>
-                <a:latin typeface="Courier New"/>
-                <a:ea typeface="Courier New"/>
-                <a:cs typeface="Courier New"/>
-                <a:sym typeface="Courier New"/>
-              </a:rPr>
-              <a:t>GRASS</a:t>
-            </a:r>
-            <a:r>
-              <a:rPr lang="en-US" dirty="0">
-                <a:solidFill>
-                  <a:schemeClr val="tx1"/>
-                </a:solidFill>
-                <a:latin typeface="Courier New"/>
-                <a:ea typeface="Courier New"/>
-                <a:cs typeface="Courier New"/>
-                <a:sym typeface="Courier New"/>
-              </a:rPr>
-              <a:t> GIS</a:t>
-            </a:r>
-            <a:endParaRPr lang="en" dirty="0">
-              <a:solidFill>
-                <a:schemeClr val="tx1"/>
-              </a:solidFill>
-              <a:latin typeface="Courier New"/>
-              <a:ea typeface="Courier New"/>
-              <a:cs typeface="Courier New"/>
-              <a:sym typeface="Courier New"/>
-            </a:endParaRPr>
-          </a:p>
-          <a:p>
-            <a:pPr lvl="0" rtl="0">
-              <a:lnSpc>
-                <a:spcPct val="100000"/>
-              </a:lnSpc>
-              <a:buNone/>
-            </a:pPr>
-            <a:r>
               <a:rPr lang="en-US" dirty="0" err="1">
                 <a:solidFill>
                   <a:schemeClr val="tx1"/>
@@ -8452,79 +8394,6 @@
                 <a:sym typeface="Courier New"/>
               </a:rPr>
               <a:t>dplyr</a:t>
-            </a:r>
-            <a:endParaRPr lang="en" dirty="0">
-              <a:solidFill>
-                <a:schemeClr val="tx1"/>
-              </a:solidFill>
-              <a:latin typeface="Courier New"/>
-              <a:ea typeface="Courier New"/>
-              <a:cs typeface="Courier New"/>
-              <a:sym typeface="Courier New"/>
-            </a:endParaRPr>
-          </a:p>
-        </p:txBody>
-      </p:sp>
-      <p:sp>
-        <p:nvSpPr>
-          <p:cNvPr id="96" name="Shape 96"/>
-          <p:cNvSpPr txBox="1"/>
-          <p:nvPr/>
-        </p:nvSpPr>
-        <p:spPr>
-          <a:xfrm>
-            <a:off x="6133719" y="3487859"/>
-            <a:ext cx="2130000" cy="1365475"/>
-          </a:xfrm>
-          <a:prstGeom prst="rect">
-            <a:avLst/>
-          </a:prstGeom>
-          <a:noFill/>
-          <a:ln>
-            <a:noFill/>
-          </a:ln>
-        </p:spPr>
-        <p:txBody>
-          <a:bodyPr lIns="121881" tIns="121881" rIns="121881" bIns="121881" anchor="t" anchorCtr="0">
-            <a:noAutofit/>
-          </a:bodyPr>
-          <a:lstStyle/>
-          <a:p>
-            <a:pPr>
-              <a:lnSpc>
-                <a:spcPct val="100000"/>
-              </a:lnSpc>
-            </a:pPr>
-            <a:r>
-              <a:rPr lang="en-US" dirty="0">
-                <a:solidFill>
-                  <a:schemeClr val="tx1"/>
-                </a:solidFill>
-                <a:latin typeface="Courier New"/>
-                <a:ea typeface="Courier New"/>
-                <a:cs typeface="Courier New"/>
-                <a:sym typeface="Courier New"/>
-              </a:rPr>
-              <a:t>Statistics</a:t>
-            </a:r>
-          </a:p>
-          <a:p>
-            <a:pPr>
-              <a:lnSpc>
-                <a:spcPct val="100000"/>
-              </a:lnSpc>
-            </a:pPr>
-            <a:r>
-              <a:rPr lang="en" dirty="0">
-                <a:solidFill>
-                  <a:schemeClr val="tx1"/>
-                </a:solidFill>
-                <a:latin typeface="Courier New"/>
-                <a:ea typeface="Courier New"/>
-                <a:cs typeface="Courier New"/>
-                <a:sym typeface="Courier New"/>
-              </a:rPr>
-              <a:t>Models</a:t>
             </a:r>
             <a:endParaRPr lang="en-US" dirty="0">
               <a:solidFill>
@@ -8537,13 +8406,14 @@
             </a:endParaRPr>
           </a:p>
           <a:p>
-            <a:pPr>
+            <a:pPr lvl="0" rtl="0">
               <a:lnSpc>
                 <a:spcPct val="100000"/>
               </a:lnSpc>
+              <a:buNone/>
             </a:pPr>
             <a:r>
-              <a:rPr lang="en" dirty="0">
+              <a:rPr lang="en" dirty="0" err="1">
                 <a:solidFill>
                   <a:schemeClr val="tx1"/>
                 </a:solidFill>
@@ -8552,7 +8422,30 @@
                 <a:cs typeface="Courier New"/>
                 <a:sym typeface="Courier New"/>
               </a:rPr>
-              <a:t>BUGS/JAGS</a:t>
+              <a:t>tidyr</a:t>
+            </a:r>
+            <a:br>
+              <a:rPr lang="en" dirty="0">
+                <a:solidFill>
+                  <a:schemeClr val="tx1"/>
+                </a:solidFill>
+                <a:latin typeface="Courier New"/>
+                <a:ea typeface="Courier New"/>
+                <a:cs typeface="Courier New"/>
+                <a:sym typeface="Courier New"/>
+              </a:rPr>
+            </a:br>
+            <a:r>
+              <a:rPr lang="en" dirty="0">
+                <a:solidFill>
+                  <a:schemeClr val="tx1"/>
+                </a:solidFill>
+                <a:latin typeface="Courier New"/>
+                <a:ea typeface="Courier New"/>
+                <a:cs typeface="Courier New"/>
+                <a:sym typeface="Courier New"/>
+              </a:rPr>
+              <a:t>sf</a:t>
             </a:r>
           </a:p>
           <a:p>
@@ -8576,14 +8469,14 @@
       </p:sp>
       <p:sp>
         <p:nvSpPr>
-          <p:cNvPr id="97" name="Shape 97"/>
+          <p:cNvPr id="96" name="Shape 96"/>
           <p:cNvSpPr txBox="1"/>
           <p:nvPr/>
         </p:nvSpPr>
         <p:spPr>
           <a:xfrm>
-            <a:off x="8930095" y="4177666"/>
-            <a:ext cx="2459229" cy="1365475"/>
+            <a:off x="6133719" y="3487859"/>
+            <a:ext cx="2130000" cy="1365475"/>
           </a:xfrm>
           <a:prstGeom prst="rect">
             <a:avLst/>
@@ -8599,14 +8492,13 @@
           </a:bodyPr>
           <a:lstStyle/>
           <a:p>
-            <a:pPr lvl="0" rtl="0">
+            <a:pPr>
               <a:lnSpc>
                 <a:spcPct val="100000"/>
               </a:lnSpc>
-              <a:buNone/>
             </a:pPr>
             <a:r>
-              <a:rPr lang="en" dirty="0">
+              <a:rPr lang="en-US" dirty="0">
                 <a:solidFill>
                   <a:schemeClr val="tx1"/>
                 </a:solidFill>
@@ -8615,15 +8507,14 @@
                 <a:cs typeface="Courier New"/>
                 <a:sym typeface="Courier New"/>
               </a:rPr>
-              <a:t>xtable</a:t>
-            </a:r>
-          </a:p>
-          <a:p>
-            <a:pPr lvl="0" rtl="0">
+              <a:t>Statistics</a:t>
+            </a:r>
+          </a:p>
+          <a:p>
+            <a:pPr>
               <a:lnSpc>
                 <a:spcPct val="100000"/>
               </a:lnSpc>
-              <a:buNone/>
             </a:pPr>
             <a:r>
               <a:rPr lang="en" dirty="0">
@@ -8635,7 +8526,7 @@
                 <a:cs typeface="Courier New"/>
                 <a:sym typeface="Courier New"/>
               </a:rPr>
-              <a:t>knitr/sweave</a:t>
+              <a:t>Models</a:t>
             </a:r>
             <a:endParaRPr lang="en-US" dirty="0">
               <a:solidFill>
@@ -8647,6 +8538,32 @@
               <a:sym typeface="Courier New"/>
             </a:endParaRPr>
           </a:p>
+        </p:txBody>
+      </p:sp>
+      <p:sp>
+        <p:nvSpPr>
+          <p:cNvPr id="97" name="Shape 97"/>
+          <p:cNvSpPr txBox="1"/>
+          <p:nvPr/>
+        </p:nvSpPr>
+        <p:spPr>
+          <a:xfrm>
+            <a:off x="8930095" y="4177666"/>
+            <a:ext cx="2459229" cy="1365475"/>
+          </a:xfrm>
+          <a:prstGeom prst="rect">
+            <a:avLst/>
+          </a:prstGeom>
+          <a:noFill/>
+          <a:ln>
+            <a:noFill/>
+          </a:ln>
+        </p:spPr>
+        <p:txBody>
+          <a:bodyPr lIns="121881" tIns="121881" rIns="121881" bIns="121881" anchor="t" anchorCtr="0">
+            <a:noAutofit/>
+          </a:bodyPr>
+          <a:lstStyle/>
           <a:p>
             <a:pPr lvl="0" rtl="0">
               <a:lnSpc>
@@ -8655,7 +8572,7 @@
               <a:buNone/>
             </a:pPr>
             <a:r>
-              <a:rPr lang="en-US" dirty="0" err="1">
+              <a:rPr lang="en-US" dirty="0">
                 <a:solidFill>
                   <a:schemeClr val="tx1"/>
                 </a:solidFill>
@@ -8664,7 +8581,77 @@
                 <a:cs typeface="Courier New"/>
                 <a:sym typeface="Courier New"/>
               </a:rPr>
-              <a:t>rmarkdown</a:t>
+              <a:t>k</a:t>
+            </a:r>
+            <a:r>
+              <a:rPr lang="en" dirty="0" err="1">
+                <a:solidFill>
+                  <a:schemeClr val="tx1"/>
+                </a:solidFill>
+                <a:latin typeface="Courier New"/>
+                <a:ea typeface="Courier New"/>
+                <a:cs typeface="Courier New"/>
+                <a:sym typeface="Courier New"/>
+              </a:rPr>
+              <a:t>nitr</a:t>
+            </a:r>
+            <a:endParaRPr lang="en-US" dirty="0">
+              <a:solidFill>
+                <a:schemeClr val="tx1"/>
+              </a:solidFill>
+              <a:latin typeface="Courier New"/>
+              <a:ea typeface="Courier New"/>
+              <a:cs typeface="Courier New"/>
+              <a:sym typeface="Courier New"/>
+            </a:endParaRPr>
+          </a:p>
+          <a:p>
+            <a:pPr lvl="0" rtl="0">
+              <a:lnSpc>
+                <a:spcPct val="100000"/>
+              </a:lnSpc>
+              <a:buNone/>
+            </a:pPr>
+            <a:r>
+              <a:rPr lang="en-US" dirty="0" err="1">
+                <a:solidFill>
+                  <a:schemeClr val="tx1"/>
+                </a:solidFill>
+                <a:latin typeface="Courier New"/>
+                <a:ea typeface="Courier New"/>
+                <a:cs typeface="Courier New"/>
+                <a:sym typeface="Courier New"/>
+              </a:rPr>
+              <a:t>Rmarkdown</a:t>
+            </a:r>
+            <a:endParaRPr lang="en-US" dirty="0">
+              <a:solidFill>
+                <a:schemeClr val="tx1"/>
+              </a:solidFill>
+              <a:latin typeface="Courier New"/>
+              <a:ea typeface="Courier New"/>
+              <a:cs typeface="Courier New"/>
+              <a:sym typeface="Courier New"/>
+            </a:endParaRPr>
+          </a:p>
+          <a:p>
+            <a:pPr lvl="0" rtl="0">
+              <a:lnSpc>
+                <a:spcPct val="100000"/>
+              </a:lnSpc>
+              <a:buNone/>
+            </a:pPr>
+            <a:r>
+              <a:rPr lang="en-US" dirty="0" err="1">
+                <a:solidFill>
+                  <a:schemeClr val="tx1"/>
+                </a:solidFill>
+                <a:latin typeface="Courier New"/>
+                <a:ea typeface="Courier New"/>
+                <a:cs typeface="Courier New"/>
+                <a:sym typeface="Courier New"/>
+              </a:rPr>
+              <a:t>htmlWidgets</a:t>
             </a:r>
             <a:endParaRPr lang="en" dirty="0">
               <a:solidFill>
